--- a/Apresentação.pptx
+++ b/Apresentação.pptx
@@ -10056,7 +10056,7 @@
         <p:spPr>
           <a:xfrm>
             <a:off x="7885963" y="1752666"/>
-            <a:ext cx="0" cy="3856921"/>
+            <a:ext cx="4" cy="3856921"/>
           </a:xfrm>
           <a:prstGeom prst="line">
             <a:avLst/>
@@ -10092,8 +10092,8 @@
         </p:nvSpPr>
         <p:spPr>
           <a:xfrm>
-            <a:off x="6550501" y="5609587"/>
-            <a:ext cx="2670924" cy="923330"/>
+            <a:off x="6251545" y="5609587"/>
+            <a:ext cx="3268844" cy="923330"/>
           </a:xfrm>
           <a:prstGeom prst="rect">
             <a:avLst/>
@@ -10116,14 +10116,14 @@
             </a:br>
             <a:r>
               <a:rPr lang="pt-PT" dirty="0"/>
-              <a:t>(ver se a página</a:t>
+              <a:t>(ver se a página contém</a:t>
             </a:r>
           </a:p>
           <a:p>
             <a:pPr algn="ctr"/>
             <a:r>
               <a:rPr lang="pt-PT" dirty="0"/>
-              <a:t>contém uma palavra)</a:t>
+              <a:t>uma determinada palavra)</a:t>
             </a:r>
           </a:p>
         </p:txBody>

--- a/Apresentação.pptx
+++ b/Apresentação.pptx
@@ -5,7 +5,7 @@
     <p:sldMasterId id="2147483779" r:id="rId1"/>
   </p:sldMasterIdLst>
   <p:notesMasterIdLst>
-    <p:notesMasterId r:id="rId9"/>
+    <p:notesMasterId r:id="rId10"/>
   </p:notesMasterIdLst>
   <p:sldIdLst>
     <p:sldId id="256" r:id="rId2"/>
@@ -14,7 +14,8 @@
     <p:sldId id="272" r:id="rId5"/>
     <p:sldId id="273" r:id="rId6"/>
     <p:sldId id="274" r:id="rId7"/>
-    <p:sldId id="270" r:id="rId8"/>
+    <p:sldId id="276" r:id="rId8"/>
+    <p:sldId id="270" r:id="rId9"/>
   </p:sldIdLst>
   <p:sldSz cx="12192000" cy="6858000"/>
   <p:notesSz cx="6858000" cy="9144000"/>
@@ -12537,6 +12538,279 @@
 </file>
 
 <file path=ppt/slides/slide7.xml><?xml version="1.0" encoding="utf-8"?>
+<p:sld xmlns:a="http://schemas.openxmlformats.org/drawingml/2006/main" xmlns:r="http://schemas.openxmlformats.org/officeDocument/2006/relationships" xmlns:p="http://schemas.openxmlformats.org/presentationml/2006/main">
+  <p:cSld>
+    <p:spTree>
+      <p:nvGrpSpPr>
+        <p:cNvPr id="1" name=""/>
+        <p:cNvGrpSpPr/>
+        <p:nvPr/>
+      </p:nvGrpSpPr>
+      <p:grpSpPr>
+        <a:xfrm>
+          <a:off x="0" y="0"/>
+          <a:ext cx="0" cy="0"/>
+          <a:chOff x="0" y="0"/>
+          <a:chExt cx="0" cy="0"/>
+        </a:xfrm>
+      </p:grpSpPr>
+      <p:sp>
+        <p:nvSpPr>
+          <p:cNvPr id="2" name="Título 1">
+            <a:extLst>
+              <a:ext uri="{FF2B5EF4-FFF2-40B4-BE49-F238E27FC236}">
+                <a16:creationId xmlns:a16="http://schemas.microsoft.com/office/drawing/2014/main" id="{A8FCF12C-1DAB-71EA-E815-C3E7AA607E06}"/>
+              </a:ext>
+            </a:extLst>
+          </p:cNvPr>
+          <p:cNvSpPr>
+            <a:spLocks noGrp="1"/>
+          </p:cNvSpPr>
+          <p:nvPr>
+            <p:ph type="title"/>
+          </p:nvPr>
+        </p:nvSpPr>
+        <p:spPr/>
+        <p:txBody>
+          <a:bodyPr/>
+          <a:lstStyle/>
+          <a:p>
+            <a:r>
+              <a:rPr lang="pt-PT" dirty="0"/>
+              <a:t>Modelo Vetorial</a:t>
+            </a:r>
+          </a:p>
+        </p:txBody>
+      </p:sp>
+      <p:sp>
+        <p:nvSpPr>
+          <p:cNvPr id="4" name="Marcador de Posição do Número do Diapositivo 3">
+            <a:extLst>
+              <a:ext uri="{FF2B5EF4-FFF2-40B4-BE49-F238E27FC236}">
+                <a16:creationId xmlns:a16="http://schemas.microsoft.com/office/drawing/2014/main" id="{5BA608C0-340F-7416-736D-838D52A51A08}"/>
+              </a:ext>
+            </a:extLst>
+          </p:cNvPr>
+          <p:cNvSpPr>
+            <a:spLocks noGrp="1"/>
+          </p:cNvSpPr>
+          <p:nvPr>
+            <p:ph type="sldNum" sz="quarter" idx="12"/>
+          </p:nvPr>
+        </p:nvSpPr>
+        <p:spPr/>
+        <p:txBody>
+          <a:bodyPr/>
+          <a:lstStyle/>
+          <a:p>
+            <a:fld id="{9D4AEF59-F28E-467C-9EA3-92D1CFAD475A}" type="slidenum">
+              <a:rPr lang="en-US" smtClean="0"/>
+              <a:pPr/>
+              <a:t>7</a:t>
+            </a:fld>
+            <a:endParaRPr lang="en-US">
+              <a:latin typeface="+mn-lt"/>
+            </a:endParaRPr>
+          </a:p>
+        </p:txBody>
+      </p:sp>
+      <p:pic>
+        <p:nvPicPr>
+          <p:cNvPr id="6" name="Imagem 5">
+            <a:extLst>
+              <a:ext uri="{FF2B5EF4-FFF2-40B4-BE49-F238E27FC236}">
+                <a16:creationId xmlns:a16="http://schemas.microsoft.com/office/drawing/2014/main" id="{0F24B792-5220-066A-1817-5A64B6B0686C}"/>
+              </a:ext>
+            </a:extLst>
+          </p:cNvPr>
+          <p:cNvPicPr>
+            <a:picLocks noChangeAspect="1"/>
+          </p:cNvPicPr>
+          <p:nvPr/>
+        </p:nvPicPr>
+        <p:blipFill>
+          <a:blip r:embed="rId2"/>
+          <a:stretch>
+            <a:fillRect/>
+          </a:stretch>
+        </p:blipFill>
+        <p:spPr>
+          <a:xfrm>
+            <a:off x="2973111" y="2120823"/>
+            <a:ext cx="7626827" cy="1931427"/>
+          </a:xfrm>
+          <a:prstGeom prst="rect">
+            <a:avLst/>
+          </a:prstGeom>
+        </p:spPr>
+      </p:pic>
+      <p:sp>
+        <p:nvSpPr>
+          <p:cNvPr id="7" name="CaixaDeTexto 6">
+            <a:extLst>
+              <a:ext uri="{FF2B5EF4-FFF2-40B4-BE49-F238E27FC236}">
+                <a16:creationId xmlns:a16="http://schemas.microsoft.com/office/drawing/2014/main" id="{9BE76384-BD4C-0503-382C-C102EEB282B5}"/>
+              </a:ext>
+            </a:extLst>
+          </p:cNvPr>
+          <p:cNvSpPr txBox="1"/>
+          <p:nvPr/>
+        </p:nvSpPr>
+        <p:spPr>
+          <a:xfrm>
+            <a:off x="5318072" y="1573113"/>
+            <a:ext cx="859531" cy="369332"/>
+          </a:xfrm>
+          <a:prstGeom prst="rect">
+            <a:avLst/>
+          </a:prstGeom>
+          <a:noFill/>
+        </p:spPr>
+        <p:txBody>
+          <a:bodyPr wrap="none" rtlCol="0">
+            <a:spAutoFit/>
+          </a:bodyPr>
+          <a:lstStyle/>
+          <a:p>
+            <a:pPr algn="ctr"/>
+            <a:r>
+              <a:rPr lang="en-GB" i="1" dirty="0" err="1"/>
+              <a:t>lnc.ltc</a:t>
+            </a:r>
+            <a:endParaRPr lang="en-GB" i="1" dirty="0"/>
+          </a:p>
+        </p:txBody>
+      </p:sp>
+      <p:sp>
+        <p:nvSpPr>
+          <p:cNvPr id="8" name="Forma livre: Forma 7">
+            <a:extLst>
+              <a:ext uri="{FF2B5EF4-FFF2-40B4-BE49-F238E27FC236}">
+                <a16:creationId xmlns:a16="http://schemas.microsoft.com/office/drawing/2014/main" id="{11E1FB7C-F1CD-81AC-D2B1-DEDF8DC8D3A2}"/>
+              </a:ext>
+            </a:extLst>
+          </p:cNvPr>
+          <p:cNvSpPr/>
+          <p:nvPr/>
+        </p:nvSpPr>
+        <p:spPr>
+          <a:xfrm>
+            <a:off x="4234649" y="1233996"/>
+            <a:ext cx="1003176" cy="523783"/>
+          </a:xfrm>
+          <a:custGeom>
+            <a:avLst/>
+            <a:gdLst>
+              <a:gd name="connsiteX0" fmla="*/ 0 w 1003176"/>
+              <a:gd name="connsiteY0" fmla="*/ 0 h 523783"/>
+              <a:gd name="connsiteX1" fmla="*/ 204186 w 1003176"/>
+              <a:gd name="connsiteY1" fmla="*/ 399495 h 523783"/>
+              <a:gd name="connsiteX2" fmla="*/ 1003176 w 1003176"/>
+              <a:gd name="connsiteY2" fmla="*/ 523783 h 523783"/>
+            </a:gdLst>
+            <a:ahLst/>
+            <a:cxnLst>
+              <a:cxn ang="0">
+                <a:pos x="connsiteX0" y="connsiteY0"/>
+              </a:cxn>
+              <a:cxn ang="0">
+                <a:pos x="connsiteX1" y="connsiteY1"/>
+              </a:cxn>
+              <a:cxn ang="0">
+                <a:pos x="connsiteX2" y="connsiteY2"/>
+              </a:cxn>
+            </a:cxnLst>
+            <a:rect l="l" t="t" r="r" b="b"/>
+            <a:pathLst>
+              <a:path w="1003176" h="523783">
+                <a:moveTo>
+                  <a:pt x="0" y="0"/>
+                </a:moveTo>
+                <a:cubicBezTo>
+                  <a:pt x="18495" y="156099"/>
+                  <a:pt x="36990" y="312198"/>
+                  <a:pt x="204186" y="399495"/>
+                </a:cubicBezTo>
+                <a:cubicBezTo>
+                  <a:pt x="371382" y="486792"/>
+                  <a:pt x="687279" y="505287"/>
+                  <a:pt x="1003176" y="523783"/>
+                </a:cubicBezTo>
+              </a:path>
+            </a:pathLst>
+          </a:custGeom>
+          <a:ln>
+            <a:headEnd type="none" w="med" len="med"/>
+            <a:tailEnd type="arrow" w="med" len="med"/>
+          </a:ln>
+        </p:spPr>
+        <p:style>
+          <a:lnRef idx="2">
+            <a:schemeClr val="dk1"/>
+          </a:lnRef>
+          <a:fillRef idx="0">
+            <a:schemeClr val="dk1"/>
+          </a:fillRef>
+          <a:effectRef idx="1">
+            <a:schemeClr val="dk1"/>
+          </a:effectRef>
+          <a:fontRef idx="minor">
+            <a:schemeClr val="tx1"/>
+          </a:fontRef>
+        </p:style>
+        <p:txBody>
+          <a:bodyPr rtlCol="0" anchor="ctr"/>
+          <a:lstStyle/>
+          <a:p>
+            <a:pPr algn="ctr"/>
+            <a:endParaRPr lang="pt-PT"/>
+          </a:p>
+        </p:txBody>
+      </p:sp>
+      <p:pic>
+        <p:nvPicPr>
+          <p:cNvPr id="10" name="Imagem 9">
+            <a:extLst>
+              <a:ext uri="{FF2B5EF4-FFF2-40B4-BE49-F238E27FC236}">
+                <a16:creationId xmlns:a16="http://schemas.microsoft.com/office/drawing/2014/main" id="{183C23F6-2777-3064-71AC-B91D71695552}"/>
+              </a:ext>
+            </a:extLst>
+          </p:cNvPr>
+          <p:cNvPicPr>
+            <a:picLocks noChangeAspect="1"/>
+          </p:cNvPicPr>
+          <p:nvPr/>
+        </p:nvPicPr>
+        <p:blipFill>
+          <a:blip r:embed="rId3"/>
+          <a:stretch>
+            <a:fillRect/>
+          </a:stretch>
+        </p:blipFill>
+        <p:spPr>
+          <a:xfrm>
+            <a:off x="4027787" y="4384649"/>
+            <a:ext cx="5858693" cy="1800476"/>
+          </a:xfrm>
+          <a:prstGeom prst="rect">
+            <a:avLst/>
+          </a:prstGeom>
+        </p:spPr>
+      </p:pic>
+    </p:spTree>
+    <p:extLst>
+      <p:ext uri="{BB962C8B-B14F-4D97-AF65-F5344CB8AC3E}">
+        <p14:creationId xmlns:p14="http://schemas.microsoft.com/office/powerpoint/2010/main" val="1941174741"/>
+      </p:ext>
+    </p:extLst>
+  </p:cSld>
+  <p:clrMapOvr>
+    <a:masterClrMapping/>
+  </p:clrMapOvr>
+</p:sld>
+</file>
+
+<file path=ppt/slides/slide8.xml><?xml version="1.0" encoding="utf-8"?>
 <p:sld xmlns:a="http://schemas.openxmlformats.org/drawingml/2006/main" xmlns:r="http://schemas.openxmlformats.org/officeDocument/2006/relationships" xmlns:p="http://schemas.openxmlformats.org/presentationml/2006/main">
   <p:cSld>
     <p:spTree>
